--- a/AP/project/ap.pptx
+++ b/AP/project/ap.pptx
@@ -5,10 +5,10 @@
     <p:sldMasterId id="2147483648" r:id="rId4"/>
   </p:sldMasterIdLst>
   <p:notesMasterIdLst>
-    <p:notesMasterId r:id="rId13"/>
+    <p:notesMasterId r:id="rId14"/>
   </p:notesMasterIdLst>
   <p:handoutMasterIdLst>
-    <p:handoutMasterId r:id="rId14"/>
+    <p:handoutMasterId r:id="rId15"/>
   </p:handoutMasterIdLst>
   <p:sldIdLst>
     <p:sldId id="256" r:id="rId5"/>
@@ -16,9 +16,10 @@
     <p:sldId id="258" r:id="rId7"/>
     <p:sldId id="262" r:id="rId8"/>
     <p:sldId id="265" r:id="rId9"/>
-    <p:sldId id="270" r:id="rId10"/>
-    <p:sldId id="266" r:id="rId11"/>
-    <p:sldId id="271" r:id="rId12"/>
+    <p:sldId id="272" r:id="rId10"/>
+    <p:sldId id="270" r:id="rId11"/>
+    <p:sldId id="266" r:id="rId12"/>
+    <p:sldId id="271" r:id="rId13"/>
   </p:sldIdLst>
   <p:sldSz cx="12192000" cy="6858000"/>
   <p:notesSz cx="6858000" cy="9144000"/>
@@ -13916,173 +13917,499 @@
       </p:grpSpPr>
       <p:sp>
         <p:nvSpPr>
-          <p:cNvPr id="3" name="Title 2">
-            <a:extLst>
-              <a:ext uri="{FF2B5EF4-FFF2-40B4-BE49-F238E27FC236}">
-                <a16:creationId xmlns:a16="http://schemas.microsoft.com/office/drawing/2014/main" id="{77762301-F83A-4BEA-9D11-E6C99FB574A8}"/>
-              </a:ext>
-            </a:extLst>
-          </p:cNvPr>
-          <p:cNvSpPr>
-            <a:spLocks noGrp="1"/>
-          </p:cNvSpPr>
-          <p:nvPr>
-            <p:ph type="title"/>
+          <p:cNvPr id="3" name="Subtitle 2">
+            <a:extLst>
+              <a:ext uri="{FF2B5EF4-FFF2-40B4-BE49-F238E27FC236}">
+                <a16:creationId xmlns:a16="http://schemas.microsoft.com/office/drawing/2014/main" id="{DA8AFAA9-633A-475C-B8ED-840A34F7294D}"/>
+              </a:ext>
+            </a:extLst>
+          </p:cNvPr>
+          <p:cNvSpPr>
+            <a:spLocks noGrp="1"/>
+          </p:cNvSpPr>
+          <p:nvPr>
+            <p:ph type="subTitle" idx="1"/>
           </p:nvPr>
         </p:nvSpPr>
         <p:spPr>
           <a:xfrm>
-            <a:off x="838200" y="365125"/>
-            <a:ext cx="10515600" cy="1325563"/>
+            <a:off x="6355965" y="1737974"/>
+            <a:ext cx="5150235" cy="1547093"/>
           </a:xfrm>
         </p:spPr>
         <p:txBody>
-          <a:bodyPr/>
+          <a:bodyPr>
+            <a:normAutofit/>
+          </a:bodyPr>
           <a:lstStyle/>
           <a:p>
+            <a:pPr marL="0" indent="0">
+              <a:buNone/>
+            </a:pPr>
+            <a:r>
+              <a:rPr lang="en-US" sz="2200" dirty="0"/>
+              <a:t>Run commands in terminal/PowerShell</a:t>
+            </a:r>
+          </a:p>
+          <a:p>
             <a:r>
               <a:rPr lang="en-US" dirty="0"/>
-              <a:t>TECHONOLOGIES</a:t>
-            </a:r>
-          </a:p>
-        </p:txBody>
-      </p:sp>
-      <p:graphicFrame>
-        <p:nvGraphicFramePr>
-          <p:cNvPr id="33" name="Content Placeholder 3" descr="Timeline Placeholder ">
-            <a:extLst>
-              <a:ext uri="{FF2B5EF4-FFF2-40B4-BE49-F238E27FC236}">
-                <a16:creationId xmlns:a16="http://schemas.microsoft.com/office/drawing/2014/main" id="{7BC1F95D-CCD2-421B-B06B-706699FAAD5D}"/>
-              </a:ext>
-            </a:extLst>
-          </p:cNvPr>
-          <p:cNvGraphicFramePr>
-            <a:graphicFrameLocks noGrp="1"/>
-          </p:cNvGraphicFramePr>
-          <p:nvPr>
-            <p:ph type="dgm" sz="quarter" idx="15"/>
-            <p:extLst>
-              <p:ext uri="{D42A27DB-BD31-4B8C-83A1-F6EECF244321}">
-                <p14:modId xmlns:p14="http://schemas.microsoft.com/office/powerpoint/2010/main" val="3257202985"/>
-              </p:ext>
-            </p:extLst>
-          </p:nvPr>
-        </p:nvGraphicFramePr>
-        <p:xfrm>
-          <a:off x="838200" y="2111375"/>
-          <a:ext cx="10515600" cy="3744913"/>
-        </p:xfrm>
-        <a:graphic>
-          <a:graphicData uri="http://schemas.openxmlformats.org/drawingml/2006/diagram">
-            <dgm:relIds xmlns:dgm="http://schemas.openxmlformats.org/drawingml/2006/diagram" xmlns:r="http://schemas.openxmlformats.org/officeDocument/2006/relationships" r:dm="rId2" r:lo="rId3" r:qs="rId4" r:cs="rId5"/>
-          </a:graphicData>
-        </a:graphic>
-      </p:graphicFrame>
-      <p:sp>
-        <p:nvSpPr>
-          <p:cNvPr id="6" name="Date Placeholder 5">
-            <a:extLst>
-              <a:ext uri="{FF2B5EF4-FFF2-40B4-BE49-F238E27FC236}">
-                <a16:creationId xmlns:a16="http://schemas.microsoft.com/office/drawing/2014/main" id="{3627CC26-34EF-4BB9-B289-9EC56B07D1E6}"/>
-              </a:ext>
-            </a:extLst>
-          </p:cNvPr>
-          <p:cNvSpPr>
-            <a:spLocks noGrp="1"/>
-          </p:cNvSpPr>
-          <p:nvPr>
-            <p:ph type="dt" sz="half" idx="10"/>
-          </p:nvPr>
+              <a:t>brew install poetry</a:t>
+            </a:r>
+          </a:p>
+          <a:p>
+            <a:r>
+              <a:rPr lang="en-US" dirty="0"/>
+              <a:t>poetry shell</a:t>
+            </a:r>
+          </a:p>
+          <a:p>
+            <a:r>
+              <a:rPr lang="en-US" dirty="0"/>
+              <a:t>poetry install</a:t>
+            </a:r>
+          </a:p>
+          <a:p>
+            <a:pPr algn="just"/>
+            <a:endParaRPr lang="en-US" dirty="0"/>
+          </a:p>
+          <a:p>
+            <a:pPr algn="just"/>
+            <a:endParaRPr lang="en-US" dirty="0"/>
+          </a:p>
+        </p:txBody>
+      </p:sp>
+      <p:sp>
+        <p:nvSpPr>
+          <p:cNvPr id="4" name="Title 6">
+            <a:extLst>
+              <a:ext uri="{FF2B5EF4-FFF2-40B4-BE49-F238E27FC236}">
+                <a16:creationId xmlns:a16="http://schemas.microsoft.com/office/drawing/2014/main" id="{8E14062B-8CDB-279C-7F4E-43B1940B4E5E}"/>
+              </a:ext>
+            </a:extLst>
+          </p:cNvPr>
+          <p:cNvSpPr txBox="1">
+            <a:spLocks/>
+          </p:cNvSpPr>
+          <p:nvPr/>
         </p:nvSpPr>
         <p:spPr>
           <a:xfrm>
-            <a:off x="838200" y="6356350"/>
-            <a:ext cx="2743200" cy="365125"/>
+            <a:off x="5901265" y="380999"/>
+            <a:ext cx="4321195" cy="1134533"/>
           </a:xfrm>
+          <a:prstGeom prst="rect">
+            <a:avLst/>
+          </a:prstGeom>
         </p:spPr>
         <p:txBody>
-          <a:bodyPr/>
-          <a:lstStyle/>
+          <a:bodyPr vert="horz" lIns="91440" tIns="45720" rIns="91440" bIns="45720" rtlCol="0" anchor="b">
+            <a:noAutofit/>
+          </a:bodyPr>
+          <a:lstStyle>
+            <a:lvl1pPr algn="l" defTabSz="914400" rtl="0" eaLnBrk="1" latinLnBrk="0" hangingPunct="1">
+              <a:lnSpc>
+                <a:spcPct val="90000"/>
+              </a:lnSpc>
+              <a:spcBef>
+                <a:spcPct val="0"/>
+              </a:spcBef>
+              <a:buNone/>
+              <a:defRPr sz="3600" kern="1200" cap="all" spc="150" baseline="0">
+                <a:solidFill>
+                  <a:schemeClr val="bg1"/>
+                </a:solidFill>
+                <a:latin typeface="+mj-lt"/>
+                <a:ea typeface="+mj-ea"/>
+                <a:cs typeface="+mj-cs"/>
+              </a:defRPr>
+            </a:lvl1pPr>
+          </a:lstStyle>
           <a:p>
             <a:r>
               <a:rPr lang="en-US" dirty="0"/>
-              <a:t>20XX</a:t>
-            </a:r>
-          </a:p>
-        </p:txBody>
-      </p:sp>
-      <p:sp>
-        <p:nvSpPr>
-          <p:cNvPr id="7" name="Footer Placeholder 6">
-            <a:extLst>
-              <a:ext uri="{FF2B5EF4-FFF2-40B4-BE49-F238E27FC236}">
-                <a16:creationId xmlns:a16="http://schemas.microsoft.com/office/drawing/2014/main" id="{4E98E6AD-9D37-499C-898E-ED12AC36D31D}"/>
-              </a:ext>
-            </a:extLst>
-          </p:cNvPr>
-          <p:cNvSpPr>
-            <a:spLocks noGrp="1"/>
-          </p:cNvSpPr>
-          <p:nvPr>
-            <p:ph type="ftr" sz="quarter" idx="11"/>
-          </p:nvPr>
+              <a:t>To get started:</a:t>
+            </a:r>
+            <a:br>
+              <a:rPr lang="en-US" dirty="0"/>
+            </a:br>
+            <a:r>
+              <a:rPr lang="en-US" dirty="0"/>
+              <a:t>Local</a:t>
+            </a:r>
+          </a:p>
+        </p:txBody>
+      </p:sp>
+      <p:sp>
+        <p:nvSpPr>
+          <p:cNvPr id="5" name="Title 6">
+            <a:extLst>
+              <a:ext uri="{FF2B5EF4-FFF2-40B4-BE49-F238E27FC236}">
+                <a16:creationId xmlns:a16="http://schemas.microsoft.com/office/drawing/2014/main" id="{471A5625-FCB9-69F7-4D97-F76631C10E21}"/>
+              </a:ext>
+            </a:extLst>
+          </p:cNvPr>
+          <p:cNvSpPr txBox="1">
+            <a:spLocks/>
+          </p:cNvSpPr>
+          <p:nvPr/>
         </p:nvSpPr>
         <p:spPr>
           <a:xfrm>
-            <a:off x="4038600" y="6356350"/>
-            <a:ext cx="4114800" cy="365125"/>
+            <a:off x="6355965" y="3429000"/>
+            <a:ext cx="4218902" cy="1200329"/>
           </a:xfrm>
+          <a:prstGeom prst="rect">
+            <a:avLst/>
+          </a:prstGeom>
         </p:spPr>
         <p:txBody>
-          <a:bodyPr/>
-          <a:lstStyle/>
+          <a:bodyPr vert="horz" wrap="square" lIns="91440" tIns="45720" rIns="91440" bIns="45720" rtlCol="0" anchor="t">
+            <a:spAutoFit/>
+          </a:bodyPr>
+          <a:lstStyle>
+            <a:lvl1pPr algn="l" defTabSz="914400" rtl="0" eaLnBrk="1" latinLnBrk="0" hangingPunct="1">
+              <a:lnSpc>
+                <a:spcPct val="90000"/>
+              </a:lnSpc>
+              <a:spcBef>
+                <a:spcPct val="0"/>
+              </a:spcBef>
+              <a:buNone/>
+              <a:defRPr lang="en-GB" sz="3200" b="1" kern="1200" spc="-70" baseline="0" dirty="0">
+                <a:solidFill>
+                  <a:schemeClr val="bg1"/>
+                </a:solidFill>
+                <a:latin typeface="+mj-lt"/>
+                <a:ea typeface="+mj-ea"/>
+                <a:cs typeface="+mj-cs"/>
+              </a:defRPr>
+            </a:lvl1pPr>
+          </a:lstStyle>
           <a:p>
             <a:r>
               <a:rPr lang="en-US" dirty="0"/>
-              <a:t>PRESENTATION TITLE</a:t>
-            </a:r>
-          </a:p>
-        </p:txBody>
-      </p:sp>
-      <p:sp>
-        <p:nvSpPr>
-          <p:cNvPr id="8" name="Slide Number Placeholder 7">
-            <a:extLst>
-              <a:ext uri="{FF2B5EF4-FFF2-40B4-BE49-F238E27FC236}">
-                <a16:creationId xmlns:a16="http://schemas.microsoft.com/office/drawing/2014/main" id="{92908AF9-2A07-4B50-BC13-471792106EC8}"/>
-              </a:ext>
-            </a:extLst>
-          </p:cNvPr>
-          <p:cNvSpPr>
-            <a:spLocks noGrp="1"/>
-          </p:cNvSpPr>
-          <p:nvPr>
-            <p:ph type="sldNum" sz="quarter" idx="12"/>
-          </p:nvPr>
+              <a:t>Docker</a:t>
+            </a:r>
+            <a:br>
+              <a:rPr lang="en-US" dirty="0"/>
+            </a:br>
+            <a:r>
+              <a:rPr lang="en-US" sz="1600" dirty="0"/>
+              <a:t>docker-compose up</a:t>
+            </a:r>
+          </a:p>
+          <a:p>
+            <a:endParaRPr lang="en-US" dirty="0"/>
+          </a:p>
+        </p:txBody>
+      </p:sp>
+      <p:sp>
+        <p:nvSpPr>
+          <p:cNvPr id="6" name="Title 6">
+            <a:extLst>
+              <a:ext uri="{FF2B5EF4-FFF2-40B4-BE49-F238E27FC236}">
+                <a16:creationId xmlns:a16="http://schemas.microsoft.com/office/drawing/2014/main" id="{F48E7D66-00DF-FD96-A9B1-1BE6C117EEAB}"/>
+              </a:ext>
+            </a:extLst>
+          </p:cNvPr>
+          <p:cNvSpPr txBox="1">
+            <a:spLocks/>
+          </p:cNvSpPr>
+          <p:nvPr/>
         </p:nvSpPr>
         <p:spPr>
           <a:xfrm>
-            <a:off x="8610600" y="6356350"/>
-            <a:ext cx="2743200" cy="365125"/>
+            <a:off x="6355965" y="4283897"/>
+            <a:ext cx="2280035" cy="978729"/>
           </a:xfrm>
+          <a:prstGeom prst="rect">
+            <a:avLst/>
+          </a:prstGeom>
         </p:spPr>
         <p:txBody>
-          <a:bodyPr/>
-          <a:lstStyle/>
-          <a:p>
-            <a:fld id="{A49DFD55-3C28-40EF-9E31-A92D2E4017FF}" type="slidenum">
-              <a:rPr lang="en-US" smtClean="0"/>
-              <a:pPr/>
-              <a:t>6</a:t>
-            </a:fld>
+          <a:bodyPr vert="horz" wrap="square" lIns="91440" tIns="45720" rIns="91440" bIns="45720" rtlCol="0" anchor="t">
+            <a:spAutoFit/>
+          </a:bodyPr>
+          <a:lstStyle>
+            <a:lvl1pPr algn="l" defTabSz="914400" rtl="0" eaLnBrk="1" latinLnBrk="0" hangingPunct="1">
+              <a:lnSpc>
+                <a:spcPct val="90000"/>
+              </a:lnSpc>
+              <a:spcBef>
+                <a:spcPct val="0"/>
+              </a:spcBef>
+              <a:buNone/>
+              <a:defRPr lang="en-GB" sz="3200" b="1" kern="1200" spc="-70" baseline="0" dirty="0">
+                <a:solidFill>
+                  <a:schemeClr val="bg1"/>
+                </a:solidFill>
+                <a:latin typeface="+mj-lt"/>
+                <a:ea typeface="+mj-ea"/>
+                <a:cs typeface="+mj-cs"/>
+              </a:defRPr>
+            </a:lvl1pPr>
+          </a:lstStyle>
+          <a:p>
+            <a:r>
+              <a:rPr lang="en-US" dirty="0"/>
+              <a:t>Kubernetes</a:t>
+            </a:r>
+            <a:br>
+              <a:rPr lang="en-US" dirty="0"/>
+            </a:br>
             <a:endParaRPr lang="en-US" dirty="0"/>
+          </a:p>
+        </p:txBody>
+      </p:sp>
+      <p:sp>
+        <p:nvSpPr>
+          <p:cNvPr id="7" name="Text Placeholder 9">
+            <a:extLst>
+              <a:ext uri="{FF2B5EF4-FFF2-40B4-BE49-F238E27FC236}">
+                <a16:creationId xmlns:a16="http://schemas.microsoft.com/office/drawing/2014/main" id="{AEAAC1DF-E141-B6EE-95B9-463EF850F472}"/>
+              </a:ext>
+            </a:extLst>
+          </p:cNvPr>
+          <p:cNvSpPr txBox="1">
+            <a:spLocks/>
+          </p:cNvSpPr>
+          <p:nvPr/>
+        </p:nvSpPr>
+        <p:spPr>
+          <a:xfrm>
+            <a:off x="6355965" y="4773262"/>
+            <a:ext cx="2347768" cy="869230"/>
+          </a:xfrm>
+          <a:prstGeom prst="rect">
+            <a:avLst/>
+          </a:prstGeom>
+        </p:spPr>
+        <p:txBody>
+          <a:bodyPr vert="horz" lIns="91440" tIns="45720" rIns="91440" bIns="45720" rtlCol="0">
+            <a:noAutofit/>
+          </a:bodyPr>
+          <a:lstStyle>
+            <a:lvl1pPr marL="228600" indent="-228600" algn="l" defTabSz="914400" rtl="0" eaLnBrk="1" latinLnBrk="0" hangingPunct="1">
+              <a:lnSpc>
+                <a:spcPct val="100000"/>
+              </a:lnSpc>
+              <a:spcBef>
+                <a:spcPts val="600"/>
+              </a:spcBef>
+              <a:spcAft>
+                <a:spcPts val="400"/>
+              </a:spcAft>
+              <a:buClr>
+                <a:schemeClr val="accent2"/>
+              </a:buClr>
+              <a:buFont typeface="Arial" panose="020B0604020202020204" pitchFamily="34" charset="0"/>
+              <a:buChar char="•"/>
+              <a:defRPr sz="1600" kern="1200">
+                <a:solidFill>
+                  <a:schemeClr val="bg1"/>
+                </a:solidFill>
+                <a:latin typeface="+mn-lt"/>
+                <a:ea typeface="+mn-ea"/>
+                <a:cs typeface="Arial" panose="020B0604020202020204" pitchFamily="34" charset="0"/>
+              </a:defRPr>
+            </a:lvl1pPr>
+            <a:lvl2pPr marL="685800" indent="-228600" algn="l" defTabSz="914400" rtl="0" eaLnBrk="1" latinLnBrk="0" hangingPunct="1">
+              <a:lnSpc>
+                <a:spcPct val="100000"/>
+              </a:lnSpc>
+              <a:spcBef>
+                <a:spcPts val="600"/>
+              </a:spcBef>
+              <a:spcAft>
+                <a:spcPts val="400"/>
+              </a:spcAft>
+              <a:buClr>
+                <a:schemeClr val="accent2"/>
+              </a:buClr>
+              <a:buFont typeface="Arial" panose="020B0604020202020204" pitchFamily="34" charset="0"/>
+              <a:buChar char="•"/>
+              <a:defRPr sz="1400" kern="1200">
+                <a:solidFill>
+                  <a:schemeClr val="bg1"/>
+                </a:solidFill>
+                <a:latin typeface="+mn-lt"/>
+                <a:ea typeface="+mn-ea"/>
+                <a:cs typeface="Arial" panose="020B0604020202020204" pitchFamily="34" charset="0"/>
+              </a:defRPr>
+            </a:lvl2pPr>
+            <a:lvl3pPr marL="1143000" indent="-228600" algn="l" defTabSz="914400" rtl="0" eaLnBrk="1" latinLnBrk="0" hangingPunct="1">
+              <a:lnSpc>
+                <a:spcPct val="100000"/>
+              </a:lnSpc>
+              <a:spcBef>
+                <a:spcPts val="600"/>
+              </a:spcBef>
+              <a:spcAft>
+                <a:spcPts val="400"/>
+              </a:spcAft>
+              <a:buClr>
+                <a:schemeClr val="accent2"/>
+              </a:buClr>
+              <a:buFont typeface="Arial" panose="020B0604020202020204" pitchFamily="34" charset="0"/>
+              <a:buChar char="•"/>
+              <a:defRPr sz="1200" kern="1200">
+                <a:solidFill>
+                  <a:schemeClr val="bg1"/>
+                </a:solidFill>
+                <a:latin typeface="+mn-lt"/>
+                <a:ea typeface="+mn-ea"/>
+                <a:cs typeface="Arial" panose="020B0604020202020204" pitchFamily="34" charset="0"/>
+              </a:defRPr>
+            </a:lvl3pPr>
+            <a:lvl4pPr marL="1600200" indent="-228600" algn="l" defTabSz="914400" rtl="0" eaLnBrk="1" latinLnBrk="0" hangingPunct="1">
+              <a:lnSpc>
+                <a:spcPct val="90000"/>
+              </a:lnSpc>
+              <a:spcBef>
+                <a:spcPts val="500"/>
+              </a:spcBef>
+              <a:buClr>
+                <a:schemeClr val="accent2"/>
+              </a:buClr>
+              <a:buFont typeface="Arial" panose="020B0604020202020204" pitchFamily="34" charset="0"/>
+              <a:buChar char="•"/>
+              <a:defRPr sz="1400" kern="1200">
+                <a:solidFill>
+                  <a:schemeClr val="bg1"/>
+                </a:solidFill>
+                <a:latin typeface="Arial" panose="020B0604020202020204" pitchFamily="34" charset="0"/>
+                <a:ea typeface="+mn-ea"/>
+                <a:cs typeface="Arial" panose="020B0604020202020204" pitchFamily="34" charset="0"/>
+              </a:defRPr>
+            </a:lvl4pPr>
+            <a:lvl5pPr marL="2057400" indent="-228600" algn="l" defTabSz="914400" rtl="0" eaLnBrk="1" latinLnBrk="0" hangingPunct="1">
+              <a:lnSpc>
+                <a:spcPct val="90000"/>
+              </a:lnSpc>
+              <a:spcBef>
+                <a:spcPts val="500"/>
+              </a:spcBef>
+              <a:buClr>
+                <a:schemeClr val="accent2"/>
+              </a:buClr>
+              <a:buFont typeface="Arial" panose="020B0604020202020204" pitchFamily="34" charset="0"/>
+              <a:buChar char="•"/>
+              <a:defRPr sz="1400" kern="1200">
+                <a:solidFill>
+                  <a:schemeClr val="bg1"/>
+                </a:solidFill>
+                <a:latin typeface="Arial" panose="020B0604020202020204" pitchFamily="34" charset="0"/>
+                <a:ea typeface="+mn-ea"/>
+                <a:cs typeface="Arial" panose="020B0604020202020204" pitchFamily="34" charset="0"/>
+              </a:defRPr>
+            </a:lvl5pPr>
+            <a:lvl6pPr marL="2514600" indent="-228600" algn="l" defTabSz="914400" rtl="0" eaLnBrk="1" latinLnBrk="0" hangingPunct="1">
+              <a:lnSpc>
+                <a:spcPct val="90000"/>
+              </a:lnSpc>
+              <a:spcBef>
+                <a:spcPts val="500"/>
+              </a:spcBef>
+              <a:buFont typeface="Arial" panose="020B0604020202020204" pitchFamily="34" charset="0"/>
+              <a:buChar char="•"/>
+              <a:defRPr sz="1800" kern="1200">
+                <a:solidFill>
+                  <a:schemeClr val="tx1"/>
+                </a:solidFill>
+                <a:latin typeface="+mn-lt"/>
+                <a:ea typeface="+mn-ea"/>
+                <a:cs typeface="+mn-cs"/>
+              </a:defRPr>
+            </a:lvl6pPr>
+            <a:lvl7pPr marL="2971800" indent="-228600" algn="l" defTabSz="914400" rtl="0" eaLnBrk="1" latinLnBrk="0" hangingPunct="1">
+              <a:lnSpc>
+                <a:spcPct val="90000"/>
+              </a:lnSpc>
+              <a:spcBef>
+                <a:spcPts val="500"/>
+              </a:spcBef>
+              <a:buFont typeface="Arial" panose="020B0604020202020204" pitchFamily="34" charset="0"/>
+              <a:buChar char="•"/>
+              <a:defRPr sz="1800" kern="1200">
+                <a:solidFill>
+                  <a:schemeClr val="tx1"/>
+                </a:solidFill>
+                <a:latin typeface="+mn-lt"/>
+                <a:ea typeface="+mn-ea"/>
+                <a:cs typeface="+mn-cs"/>
+              </a:defRPr>
+            </a:lvl7pPr>
+            <a:lvl8pPr marL="3429000" indent="-228600" algn="l" defTabSz="914400" rtl="0" eaLnBrk="1" latinLnBrk="0" hangingPunct="1">
+              <a:lnSpc>
+                <a:spcPct val="90000"/>
+              </a:lnSpc>
+              <a:spcBef>
+                <a:spcPts val="500"/>
+              </a:spcBef>
+              <a:buFont typeface="Arial" panose="020B0604020202020204" pitchFamily="34" charset="0"/>
+              <a:buChar char="•"/>
+              <a:defRPr sz="1800" kern="1200">
+                <a:solidFill>
+                  <a:schemeClr val="tx1"/>
+                </a:solidFill>
+                <a:latin typeface="+mn-lt"/>
+                <a:ea typeface="+mn-ea"/>
+                <a:cs typeface="+mn-cs"/>
+              </a:defRPr>
+            </a:lvl8pPr>
+            <a:lvl9pPr marL="3886200" indent="-228600" algn="l" defTabSz="914400" rtl="0" eaLnBrk="1" latinLnBrk="0" hangingPunct="1">
+              <a:lnSpc>
+                <a:spcPct val="90000"/>
+              </a:lnSpc>
+              <a:spcBef>
+                <a:spcPts val="500"/>
+              </a:spcBef>
+              <a:buFont typeface="Arial" panose="020B0604020202020204" pitchFamily="34" charset="0"/>
+              <a:buChar char="•"/>
+              <a:defRPr sz="1800" kern="1200">
+                <a:solidFill>
+                  <a:schemeClr val="tx1"/>
+                </a:solidFill>
+                <a:latin typeface="+mn-lt"/>
+                <a:ea typeface="+mn-ea"/>
+                <a:cs typeface="+mn-cs"/>
+              </a:defRPr>
+            </a:lvl9pPr>
+          </a:lstStyle>
+          <a:p>
+            <a:pPr marL="0" indent="0">
+              <a:buNone/>
+            </a:pPr>
+            <a:r>
+              <a:rPr lang="en-US" dirty="0"/>
+              <a:t>make build</a:t>
+            </a:r>
+          </a:p>
+          <a:p>
+            <a:pPr marL="0" indent="0">
+              <a:buNone/>
+            </a:pPr>
+            <a:r>
+              <a:rPr lang="en-US" dirty="0"/>
+              <a:t>make push</a:t>
+            </a:r>
+          </a:p>
+          <a:p>
+            <a:pPr marL="0" indent="0">
+              <a:buNone/>
+            </a:pPr>
+            <a:r>
+              <a:rPr lang="en-US" dirty="0"/>
+              <a:t>make deploy</a:t>
+            </a:r>
           </a:p>
         </p:txBody>
       </p:sp>
     </p:spTree>
     <p:extLst>
       <p:ext uri="{BB962C8B-B14F-4D97-AF65-F5344CB8AC3E}">
-        <p14:creationId xmlns:p14="http://schemas.microsoft.com/office/powerpoint/2010/main" val="2896385493"/>
+        <p14:creationId xmlns:p14="http://schemas.microsoft.com/office/powerpoint/2010/main" val="170457028"/>
       </p:ext>
     </p:extLst>
   </p:cSld>
@@ -14111,10 +14438,10 @@
       </p:grpSpPr>
       <p:sp>
         <p:nvSpPr>
-          <p:cNvPr id="2" name="Title 1">
-            <a:extLst>
-              <a:ext uri="{FF2B5EF4-FFF2-40B4-BE49-F238E27FC236}">
-                <a16:creationId xmlns:a16="http://schemas.microsoft.com/office/drawing/2014/main" id="{4518FC28-E0BD-4387-B8BE-9965D1A57FF1}"/>
+          <p:cNvPr id="3" name="Title 2">
+            <a:extLst>
+              <a:ext uri="{FF2B5EF4-FFF2-40B4-BE49-F238E27FC236}">
+                <a16:creationId xmlns:a16="http://schemas.microsoft.com/office/drawing/2014/main" id="{77762301-F83A-4BEA-9D11-E6C99FB574A8}"/>
               </a:ext>
             </a:extLst>
           </p:cNvPr>
@@ -14127,8 +14454,8 @@
         </p:nvSpPr>
         <p:spPr>
           <a:xfrm>
-            <a:off x="5476875" y="1671639"/>
-            <a:ext cx="5111750" cy="1204912"/>
+            <a:off x="838200" y="365125"/>
+            <a:ext cx="10515600" cy="1325563"/>
           </a:xfrm>
         </p:spPr>
         <p:txBody>
@@ -14137,57 +14464,48 @@
           <a:p>
             <a:r>
               <a:rPr lang="en-US" dirty="0"/>
-              <a:t>SUMMARY</a:t>
-            </a:r>
-          </a:p>
-        </p:txBody>
-      </p:sp>
-      <p:sp>
-        <p:nvSpPr>
-          <p:cNvPr id="3" name="Text Placeholder 2">
-            <a:extLst>
-              <a:ext uri="{FF2B5EF4-FFF2-40B4-BE49-F238E27FC236}">
-                <a16:creationId xmlns:a16="http://schemas.microsoft.com/office/drawing/2014/main" id="{FED19BCA-B61F-4EA6-A1FB-CCA3BD8506FB}"/>
-              </a:ext>
-            </a:extLst>
-          </p:cNvPr>
-          <p:cNvSpPr>
-            <a:spLocks noGrp="1"/>
-          </p:cNvSpPr>
-          <p:nvPr>
-            <p:ph type="body" idx="1"/>
-          </p:nvPr>
-        </p:nvSpPr>
-        <p:spPr>
-          <a:xfrm>
-            <a:off x="5476874" y="2876551"/>
-            <a:ext cx="6181725" cy="3254085"/>
-          </a:xfrm>
-        </p:spPr>
-        <p:txBody>
-          <a:bodyPr>
-            <a:normAutofit/>
-          </a:bodyPr>
-          <a:lstStyle/>
-          <a:p>
-            <a:pPr algn="just"/>
-            <a:endParaRPr lang="en-US" dirty="0"/>
-          </a:p>
-          <a:p>
-            <a:pPr algn="just"/>
-            <a:r>
-              <a:rPr lang="en-US" dirty="0"/>
-              <a:t>The chat application described above is a real-time communication platform designed to be easy to use, secure, and scalable. Users can create a profile and log in using Google authentication, after which they can access various chat rooms dedicated to topics such as sports, music, dogs, food, general discussions, and news. The frontend has been developed using React, with features such as templates, components, and authentication to ensure ease of use and security. The backend uses Firebase as the database, allowing for efficient data storage and retrieval. Overall, the chat application aims to promote community engagement and interaction across a range of interests.</a:t>
-            </a:r>
-          </a:p>
-        </p:txBody>
-      </p:sp>
-      <p:sp>
-        <p:nvSpPr>
-          <p:cNvPr id="4" name="Date Placeholder 3">
-            <a:extLst>
-              <a:ext uri="{FF2B5EF4-FFF2-40B4-BE49-F238E27FC236}">
-                <a16:creationId xmlns:a16="http://schemas.microsoft.com/office/drawing/2014/main" id="{00560550-EE65-43CE-B899-F421E74287A1}"/>
+              <a:t>TECHONOLOGIES</a:t>
+            </a:r>
+          </a:p>
+        </p:txBody>
+      </p:sp>
+      <p:graphicFrame>
+        <p:nvGraphicFramePr>
+          <p:cNvPr id="33" name="Content Placeholder 3" descr="Timeline Placeholder ">
+            <a:extLst>
+              <a:ext uri="{FF2B5EF4-FFF2-40B4-BE49-F238E27FC236}">
+                <a16:creationId xmlns:a16="http://schemas.microsoft.com/office/drawing/2014/main" id="{7BC1F95D-CCD2-421B-B06B-706699FAAD5D}"/>
+              </a:ext>
+            </a:extLst>
+          </p:cNvPr>
+          <p:cNvGraphicFramePr>
+            <a:graphicFrameLocks noGrp="1"/>
+          </p:cNvGraphicFramePr>
+          <p:nvPr>
+            <p:ph type="dgm" sz="quarter" idx="15"/>
+            <p:extLst>
+              <p:ext uri="{D42A27DB-BD31-4B8C-83A1-F6EECF244321}">
+                <p14:modId xmlns:p14="http://schemas.microsoft.com/office/powerpoint/2010/main" val="3257202985"/>
+              </p:ext>
+            </p:extLst>
+          </p:nvPr>
+        </p:nvGraphicFramePr>
+        <p:xfrm>
+          <a:off x="838200" y="2111375"/>
+          <a:ext cx="10515600" cy="3744913"/>
+        </p:xfrm>
+        <a:graphic>
+          <a:graphicData uri="http://schemas.openxmlformats.org/drawingml/2006/diagram">
+            <dgm:relIds xmlns:dgm="http://schemas.openxmlformats.org/drawingml/2006/diagram" xmlns:r="http://schemas.openxmlformats.org/officeDocument/2006/relationships" r:dm="rId2" r:lo="rId3" r:qs="rId4" r:cs="rId5"/>
+          </a:graphicData>
+        </a:graphic>
+      </p:graphicFrame>
+      <p:sp>
+        <p:nvSpPr>
+          <p:cNvPr id="6" name="Date Placeholder 5">
+            <a:extLst>
+              <a:ext uri="{FF2B5EF4-FFF2-40B4-BE49-F238E27FC236}">
+                <a16:creationId xmlns:a16="http://schemas.microsoft.com/office/drawing/2014/main" id="{3627CC26-34EF-4BB9-B289-9EC56B07D1E6}"/>
               </a:ext>
             </a:extLst>
           </p:cNvPr>
@@ -14217,10 +14535,10 @@
       </p:sp>
       <p:sp>
         <p:nvSpPr>
-          <p:cNvPr id="5" name="Footer Placeholder 4">
-            <a:extLst>
-              <a:ext uri="{FF2B5EF4-FFF2-40B4-BE49-F238E27FC236}">
-                <a16:creationId xmlns:a16="http://schemas.microsoft.com/office/drawing/2014/main" id="{4135E32A-1A8C-43D2-9C6E-12887B4DEDFB}"/>
+          <p:cNvPr id="7" name="Footer Placeholder 6">
+            <a:extLst>
+              <a:ext uri="{FF2B5EF4-FFF2-40B4-BE49-F238E27FC236}">
+                <a16:creationId xmlns:a16="http://schemas.microsoft.com/office/drawing/2014/main" id="{4E98E6AD-9D37-499C-898E-ED12AC36D31D}"/>
               </a:ext>
             </a:extLst>
           </p:cNvPr>
@@ -14250,10 +14568,10 @@
       </p:sp>
       <p:sp>
         <p:nvSpPr>
-          <p:cNvPr id="6" name="Slide Number Placeholder 5">
-            <a:extLst>
-              <a:ext uri="{FF2B5EF4-FFF2-40B4-BE49-F238E27FC236}">
-                <a16:creationId xmlns:a16="http://schemas.microsoft.com/office/drawing/2014/main" id="{7C4B8313-9270-4128-8674-3A3E42B806BC}"/>
+          <p:cNvPr id="8" name="Slide Number Placeholder 7">
+            <a:extLst>
+              <a:ext uri="{FF2B5EF4-FFF2-40B4-BE49-F238E27FC236}">
+                <a16:creationId xmlns:a16="http://schemas.microsoft.com/office/drawing/2014/main" id="{92908AF9-2A07-4B50-BC13-471792106EC8}"/>
               </a:ext>
             </a:extLst>
           </p:cNvPr>
@@ -14286,7 +14604,7 @@
     </p:spTree>
     <p:extLst>
       <p:ext uri="{BB962C8B-B14F-4D97-AF65-F5344CB8AC3E}">
-        <p14:creationId xmlns:p14="http://schemas.microsoft.com/office/powerpoint/2010/main" val="1742861620"/>
+        <p14:creationId xmlns:p14="http://schemas.microsoft.com/office/powerpoint/2010/main" val="2896385493"/>
       </p:ext>
     </p:extLst>
   </p:cSld>
@@ -14318,6 +14636,210 @@
           <p:cNvPr id="2" name="Title 1">
             <a:extLst>
               <a:ext uri="{FF2B5EF4-FFF2-40B4-BE49-F238E27FC236}">
+                <a16:creationId xmlns:a16="http://schemas.microsoft.com/office/drawing/2014/main" id="{4518FC28-E0BD-4387-B8BE-9965D1A57FF1}"/>
+              </a:ext>
+            </a:extLst>
+          </p:cNvPr>
+          <p:cNvSpPr>
+            <a:spLocks noGrp="1"/>
+          </p:cNvSpPr>
+          <p:nvPr>
+            <p:ph type="title"/>
+          </p:nvPr>
+        </p:nvSpPr>
+        <p:spPr>
+          <a:xfrm>
+            <a:off x="5476875" y="1671639"/>
+            <a:ext cx="5111750" cy="1204912"/>
+          </a:xfrm>
+        </p:spPr>
+        <p:txBody>
+          <a:bodyPr/>
+          <a:lstStyle/>
+          <a:p>
+            <a:r>
+              <a:rPr lang="en-US" dirty="0"/>
+              <a:t>SUMMARY</a:t>
+            </a:r>
+          </a:p>
+        </p:txBody>
+      </p:sp>
+      <p:sp>
+        <p:nvSpPr>
+          <p:cNvPr id="3" name="Text Placeholder 2">
+            <a:extLst>
+              <a:ext uri="{FF2B5EF4-FFF2-40B4-BE49-F238E27FC236}">
+                <a16:creationId xmlns:a16="http://schemas.microsoft.com/office/drawing/2014/main" id="{FED19BCA-B61F-4EA6-A1FB-CCA3BD8506FB}"/>
+              </a:ext>
+            </a:extLst>
+          </p:cNvPr>
+          <p:cNvSpPr>
+            <a:spLocks noGrp="1"/>
+          </p:cNvSpPr>
+          <p:nvPr>
+            <p:ph type="body" idx="1"/>
+          </p:nvPr>
+        </p:nvSpPr>
+        <p:spPr>
+          <a:xfrm>
+            <a:off x="5476874" y="2876551"/>
+            <a:ext cx="6181725" cy="3254085"/>
+          </a:xfrm>
+        </p:spPr>
+        <p:txBody>
+          <a:bodyPr>
+            <a:normAutofit/>
+          </a:bodyPr>
+          <a:lstStyle/>
+          <a:p>
+            <a:pPr algn="just"/>
+            <a:endParaRPr lang="en-US" dirty="0"/>
+          </a:p>
+          <a:p>
+            <a:pPr algn="just"/>
+            <a:r>
+              <a:rPr lang="en-US" dirty="0"/>
+              <a:t>The chat application described above is a real-time communication platform designed to be easy to use, secure, and scalable. Users can create a profile and log in using Google authentication, after which they can access various chat rooms dedicated to topics such as sports, music, dogs, food, general discussions, and news. The frontend has been developed using React, with features such as templates, components, and authentication to ensure ease of use and security. The backend uses Firebase as the database, allowing for efficient data storage and retrieval. Overall, the chat application aims to promote community engagement and interaction across a range of interests.</a:t>
+            </a:r>
+          </a:p>
+        </p:txBody>
+      </p:sp>
+      <p:sp>
+        <p:nvSpPr>
+          <p:cNvPr id="4" name="Date Placeholder 3">
+            <a:extLst>
+              <a:ext uri="{FF2B5EF4-FFF2-40B4-BE49-F238E27FC236}">
+                <a16:creationId xmlns:a16="http://schemas.microsoft.com/office/drawing/2014/main" id="{00560550-EE65-43CE-B899-F421E74287A1}"/>
+              </a:ext>
+            </a:extLst>
+          </p:cNvPr>
+          <p:cNvSpPr>
+            <a:spLocks noGrp="1"/>
+          </p:cNvSpPr>
+          <p:nvPr>
+            <p:ph type="dt" sz="half" idx="10"/>
+          </p:nvPr>
+        </p:nvSpPr>
+        <p:spPr>
+          <a:xfrm>
+            <a:off x="838200" y="6356350"/>
+            <a:ext cx="2743200" cy="365125"/>
+          </a:xfrm>
+        </p:spPr>
+        <p:txBody>
+          <a:bodyPr/>
+          <a:lstStyle/>
+          <a:p>
+            <a:r>
+              <a:rPr lang="en-US" dirty="0"/>
+              <a:t>20XX</a:t>
+            </a:r>
+          </a:p>
+        </p:txBody>
+      </p:sp>
+      <p:sp>
+        <p:nvSpPr>
+          <p:cNvPr id="5" name="Footer Placeholder 4">
+            <a:extLst>
+              <a:ext uri="{FF2B5EF4-FFF2-40B4-BE49-F238E27FC236}">
+                <a16:creationId xmlns:a16="http://schemas.microsoft.com/office/drawing/2014/main" id="{4135E32A-1A8C-43D2-9C6E-12887B4DEDFB}"/>
+              </a:ext>
+            </a:extLst>
+          </p:cNvPr>
+          <p:cNvSpPr>
+            <a:spLocks noGrp="1"/>
+          </p:cNvSpPr>
+          <p:nvPr>
+            <p:ph type="ftr" sz="quarter" idx="11"/>
+          </p:nvPr>
+        </p:nvSpPr>
+        <p:spPr>
+          <a:xfrm>
+            <a:off x="4038600" y="6356350"/>
+            <a:ext cx="4114800" cy="365125"/>
+          </a:xfrm>
+        </p:spPr>
+        <p:txBody>
+          <a:bodyPr/>
+          <a:lstStyle/>
+          <a:p>
+            <a:r>
+              <a:rPr lang="en-US" dirty="0"/>
+              <a:t>PRESENTATION TITLE</a:t>
+            </a:r>
+          </a:p>
+        </p:txBody>
+      </p:sp>
+      <p:sp>
+        <p:nvSpPr>
+          <p:cNvPr id="6" name="Slide Number Placeholder 5">
+            <a:extLst>
+              <a:ext uri="{FF2B5EF4-FFF2-40B4-BE49-F238E27FC236}">
+                <a16:creationId xmlns:a16="http://schemas.microsoft.com/office/drawing/2014/main" id="{7C4B8313-9270-4128-8674-3A3E42B806BC}"/>
+              </a:ext>
+            </a:extLst>
+          </p:cNvPr>
+          <p:cNvSpPr>
+            <a:spLocks noGrp="1"/>
+          </p:cNvSpPr>
+          <p:nvPr>
+            <p:ph type="sldNum" sz="quarter" idx="12"/>
+          </p:nvPr>
+        </p:nvSpPr>
+        <p:spPr>
+          <a:xfrm>
+            <a:off x="8610600" y="6356350"/>
+            <a:ext cx="2743200" cy="365125"/>
+          </a:xfrm>
+        </p:spPr>
+        <p:txBody>
+          <a:bodyPr/>
+          <a:lstStyle/>
+          <a:p>
+            <a:fld id="{A49DFD55-3C28-40EF-9E31-A92D2E4017FF}" type="slidenum">
+              <a:rPr lang="en-US" smtClean="0"/>
+              <a:pPr/>
+              <a:t>8</a:t>
+            </a:fld>
+            <a:endParaRPr lang="en-US" dirty="0"/>
+          </a:p>
+        </p:txBody>
+      </p:sp>
+    </p:spTree>
+    <p:extLst>
+      <p:ext uri="{BB962C8B-B14F-4D97-AF65-F5344CB8AC3E}">
+        <p14:creationId xmlns:p14="http://schemas.microsoft.com/office/powerpoint/2010/main" val="1742861620"/>
+      </p:ext>
+    </p:extLst>
+  </p:cSld>
+  <p:clrMapOvr>
+    <a:masterClrMapping/>
+  </p:clrMapOvr>
+</p:sld>
+</file>
+
+<file path=ppt/slides/slide9.xml><?xml version="1.0" encoding="utf-8"?>
+<p:sld xmlns:a="http://schemas.openxmlformats.org/drawingml/2006/main" xmlns:r="http://schemas.openxmlformats.org/officeDocument/2006/relationships" xmlns:p="http://schemas.openxmlformats.org/presentationml/2006/main">
+  <p:cSld>
+    <p:spTree>
+      <p:nvGrpSpPr>
+        <p:cNvPr id="1" name=""/>
+        <p:cNvGrpSpPr/>
+        <p:nvPr/>
+      </p:nvGrpSpPr>
+      <p:grpSpPr>
+        <a:xfrm>
+          <a:off x="0" y="0"/>
+          <a:ext cx="0" cy="0"/>
+          <a:chOff x="0" y="0"/>
+          <a:chExt cx="0" cy="0"/>
+        </a:xfrm>
+      </p:grpSpPr>
+      <p:sp>
+        <p:nvSpPr>
+          <p:cNvPr id="2" name="Title 1">
+            <a:extLst>
+              <a:ext uri="{FF2B5EF4-FFF2-40B4-BE49-F238E27FC236}">
                 <a16:creationId xmlns:a16="http://schemas.microsoft.com/office/drawing/2014/main" id="{8BDF1EDE-5423-435C-B149-87AB1BC22B83}"/>
               </a:ext>
             </a:extLst>
@@ -14441,7 +14963,7 @@
             <a:fld id="{A49DFD55-3C28-40EF-9E31-A92D2E4017FF}" type="slidenum">
               <a:rPr lang="en-US" smtClean="0"/>
               <a:pPr/>
-              <a:t>8</a:t>
+              <a:t>9</a:t>
             </a:fld>
             <a:endParaRPr lang="en-US" dirty="0"/>
           </a:p>
@@ -15252,15 +15774,6 @@
 </file>
 
 <file path=customXml/item1.xml><?xml version="1.0" encoding="utf-8"?>
-<?mso-contentType ?>
-<FormTemplates xmlns="http://schemas.microsoft.com/sharepoint/v3/contenttype/forms">
-  <Display>DocumentLibraryForm</Display>
-  <Edit>DocumentLibraryForm</Edit>
-  <New>DocumentLibraryForm</New>
-</FormTemplates>
-</file>
-
-<file path=customXml/item2.xml><?xml version="1.0" encoding="utf-8"?>
 <p:properties xmlns:p="http://schemas.microsoft.com/office/2006/metadata/properties" xmlns:xsi="http://www.w3.org/2001/XMLSchema-instance" xmlns:pc="http://schemas.microsoft.com/office/infopath/2007/PartnerControls">
   <documentManagement>
     <_ip_UnifiedCompliancePolicyUIAction xmlns="http://schemas.microsoft.com/sharepoint/v3" xsi:nil="true"/>
@@ -15277,6 +15790,15 @@
     <MediaServiceKeyPoints xmlns="71af3243-3dd4-4a8d-8c0d-dd76da1f02a5" xsi:nil="true"/>
   </documentManagement>
 </p:properties>
+</file>
+
+<file path=customXml/item2.xml><?xml version="1.0" encoding="utf-8"?>
+<?mso-contentType ?>
+<FormTemplates xmlns="http://schemas.microsoft.com/sharepoint/v3/contenttype/forms">
+  <Display>DocumentLibraryForm</Display>
+  <Edit>DocumentLibraryForm</Edit>
+  <New>DocumentLibraryForm</New>
+</FormTemplates>
 </file>
 
 <file path=customXml/item3.xml><?xml version="1.0" encoding="utf-8"?>
@@ -15556,14 +16078,6 @@
 </file>
 
 <file path=customXml/itemProps1.xml><?xml version="1.0" encoding="utf-8"?>
-<ds:datastoreItem xmlns:ds="http://schemas.openxmlformats.org/officeDocument/2006/customXml" ds:itemID="{0FD6FE22-81A0-4500-AFD0-342D21BB9A2C}">
-  <ds:schemaRefs>
-    <ds:schemaRef ds:uri="http://schemas.microsoft.com/sharepoint/v3/contenttype/forms"/>
-  </ds:schemaRefs>
-</ds:datastoreItem>
-</file>
-
-<file path=customXml/itemProps2.xml><?xml version="1.0" encoding="utf-8"?>
 <ds:datastoreItem xmlns:ds="http://schemas.openxmlformats.org/officeDocument/2006/customXml" ds:itemID="{29C43685-694E-4579-B109-3C418D49DA65}">
   <ds:schemaRefs>
     <ds:schemaRef ds:uri="http://schemas.microsoft.com/office/2006/metadata/properties"/>
@@ -15571,6 +16085,14 @@
     <ds:schemaRef ds:uri="http://schemas.microsoft.com/sharepoint/v3"/>
     <ds:schemaRef ds:uri="71af3243-3dd4-4a8d-8c0d-dd76da1f02a5"/>
     <ds:schemaRef ds:uri="230e9df3-be65-4c73-a93b-d1236ebd677e"/>
+  </ds:schemaRefs>
+</ds:datastoreItem>
+</file>
+
+<file path=customXml/itemProps2.xml><?xml version="1.0" encoding="utf-8"?>
+<ds:datastoreItem xmlns:ds="http://schemas.openxmlformats.org/officeDocument/2006/customXml" ds:itemID="{0FD6FE22-81A0-4500-AFD0-342D21BB9A2C}">
+  <ds:schemaRefs>
+    <ds:schemaRef ds:uri="http://schemas.microsoft.com/sharepoint/v3/contenttype/forms"/>
   </ds:schemaRefs>
 </ds:datastoreItem>
 </file>
